--- a/10Slides.pptx
+++ b/10Slides.pptx
@@ -5,7 +5,7 @@
     <p:sldMasterId id="2147483660" r:id="rId4"/>
   </p:sldMasterIdLst>
   <p:notesMasterIdLst>
-    <p:notesMasterId r:id="rId15"/>
+    <p:notesMasterId r:id="rId19"/>
   </p:notesMasterIdLst>
   <p:sldIdLst>
     <p:sldId id="381" r:id="rId5"/>
@@ -18,6 +18,10 @@
     <p:sldId id="389" r:id="rId12"/>
     <p:sldId id="390" r:id="rId13"/>
     <p:sldId id="391" r:id="rId14"/>
+    <p:sldId id="392" r:id="rId15"/>
+    <p:sldId id="393" r:id="rId16"/>
+    <p:sldId id="394" r:id="rId17"/>
+    <p:sldId id="395" r:id="rId18"/>
   </p:sldIdLst>
   <p:sldSz cx="12192000" cy="6858000"/>
   <p:notesSz cx="6858000" cy="9144000"/>
@@ -253,7 +257,7 @@
           <a:p>
             <a:fld id="{676233F8-FEF8-EC48-8F30-EEA065CF4911}" type="datetimeFigureOut">
               <a:rPr lang="en-CH" smtClean="0"/>
-              <a:t>01/04/2022</a:t>
+              <a:t>01/14/2022</a:t>
             </a:fld>
             <a:endParaRPr lang="en-CH"/>
           </a:p>
@@ -7831,6 +7835,339 @@
     <p:extLst>
       <p:ext uri="{BB962C8B-B14F-4D97-AF65-F5344CB8AC3E}">
         <p14:creationId xmlns:p14="http://schemas.microsoft.com/office/powerpoint/2010/main" val="991659383"/>
+      </p:ext>
+    </p:extLst>
+  </p:cSld>
+  <p:clrMapOvr>
+    <a:masterClrMapping/>
+  </p:clrMapOvr>
+</p:sld>
+</file>
+
+<file path=ppt/slides/slide11.xml><?xml version="1.0" encoding="utf-8"?>
+<p:sld xmlns:a="http://schemas.openxmlformats.org/drawingml/2006/main" xmlns:r="http://schemas.openxmlformats.org/officeDocument/2006/relationships" xmlns:p="http://schemas.openxmlformats.org/presentationml/2006/main">
+  <p:cSld>
+    <p:spTree>
+      <p:nvGrpSpPr>
+        <p:cNvPr id="1" name=""/>
+        <p:cNvGrpSpPr/>
+        <p:nvPr/>
+      </p:nvGrpSpPr>
+      <p:grpSpPr>
+        <a:xfrm>
+          <a:off x="0" y="0"/>
+          <a:ext cx="0" cy="0"/>
+          <a:chOff x="0" y="0"/>
+          <a:chExt cx="0" cy="0"/>
+        </a:xfrm>
+      </p:grpSpPr>
+      <p:sp>
+        <p:nvSpPr>
+          <p:cNvPr id="2" name="Title 1">
+            <a:extLst>
+              <a:ext uri="{FF2B5EF4-FFF2-40B4-BE49-F238E27FC236}">
+                <a16:creationId xmlns:a16="http://schemas.microsoft.com/office/drawing/2014/main" id="{92C0606B-96C5-4746-8396-4B952F850F88}"/>
+              </a:ext>
+            </a:extLst>
+          </p:cNvPr>
+          <p:cNvSpPr>
+            <a:spLocks noGrp="1"/>
+          </p:cNvSpPr>
+          <p:nvPr>
+            <p:ph type="ctrTitle"/>
+          </p:nvPr>
+        </p:nvSpPr>
+        <p:spPr/>
+        <p:txBody>
+          <a:bodyPr/>
+          <a:lstStyle/>
+          <a:p>
+            <a:r>
+              <a:rPr lang="en-US" dirty="0"/>
+              <a:t>11</a:t>
+            </a:r>
+          </a:p>
+        </p:txBody>
+      </p:sp>
+      <p:sp>
+        <p:nvSpPr>
+          <p:cNvPr id="3" name="Subtitle 2">
+            <a:extLst>
+              <a:ext uri="{FF2B5EF4-FFF2-40B4-BE49-F238E27FC236}">
+                <a16:creationId xmlns:a16="http://schemas.microsoft.com/office/drawing/2014/main" id="{70E6DB21-7C89-479C-B667-6BF93C1A5046}"/>
+              </a:ext>
+            </a:extLst>
+          </p:cNvPr>
+          <p:cNvSpPr>
+            <a:spLocks noGrp="1"/>
+          </p:cNvSpPr>
+          <p:nvPr>
+            <p:ph type="subTitle" idx="1"/>
+          </p:nvPr>
+        </p:nvSpPr>
+        <p:spPr/>
+        <p:txBody>
+          <a:bodyPr/>
+          <a:lstStyle/>
+          <a:p>
+            <a:endParaRPr lang="en-US"/>
+          </a:p>
+        </p:txBody>
+      </p:sp>
+    </p:spTree>
+    <p:extLst>
+      <p:ext uri="{BB962C8B-B14F-4D97-AF65-F5344CB8AC3E}">
+        <p14:creationId xmlns:p14="http://schemas.microsoft.com/office/powerpoint/2010/main" val="2236930861"/>
+      </p:ext>
+    </p:extLst>
+  </p:cSld>
+  <p:clrMapOvr>
+    <a:masterClrMapping/>
+  </p:clrMapOvr>
+</p:sld>
+</file>
+
+<file path=ppt/slides/slide12.xml><?xml version="1.0" encoding="utf-8"?>
+<p:sld xmlns:a="http://schemas.openxmlformats.org/drawingml/2006/main" xmlns:r="http://schemas.openxmlformats.org/officeDocument/2006/relationships" xmlns:p="http://schemas.openxmlformats.org/presentationml/2006/main">
+  <p:cSld>
+    <p:spTree>
+      <p:nvGrpSpPr>
+        <p:cNvPr id="1" name=""/>
+        <p:cNvGrpSpPr/>
+        <p:nvPr/>
+      </p:nvGrpSpPr>
+      <p:grpSpPr>
+        <a:xfrm>
+          <a:off x="0" y="0"/>
+          <a:ext cx="0" cy="0"/>
+          <a:chOff x="0" y="0"/>
+          <a:chExt cx="0" cy="0"/>
+        </a:xfrm>
+      </p:grpSpPr>
+      <p:sp>
+        <p:nvSpPr>
+          <p:cNvPr id="2" name="Title 1">
+            <a:extLst>
+              <a:ext uri="{FF2B5EF4-FFF2-40B4-BE49-F238E27FC236}">
+                <a16:creationId xmlns:a16="http://schemas.microsoft.com/office/drawing/2014/main" id="{92C0606B-96C5-4746-8396-4B952F850F88}"/>
+              </a:ext>
+            </a:extLst>
+          </p:cNvPr>
+          <p:cNvSpPr>
+            <a:spLocks noGrp="1"/>
+          </p:cNvSpPr>
+          <p:nvPr>
+            <p:ph type="ctrTitle"/>
+          </p:nvPr>
+        </p:nvSpPr>
+        <p:spPr/>
+        <p:txBody>
+          <a:bodyPr/>
+          <a:lstStyle/>
+          <a:p>
+            <a:r>
+              <a:rPr lang="en-US" dirty="0"/>
+              <a:t>12</a:t>
+            </a:r>
+          </a:p>
+        </p:txBody>
+      </p:sp>
+      <p:sp>
+        <p:nvSpPr>
+          <p:cNvPr id="3" name="Subtitle 2">
+            <a:extLst>
+              <a:ext uri="{FF2B5EF4-FFF2-40B4-BE49-F238E27FC236}">
+                <a16:creationId xmlns:a16="http://schemas.microsoft.com/office/drawing/2014/main" id="{70E6DB21-7C89-479C-B667-6BF93C1A5046}"/>
+              </a:ext>
+            </a:extLst>
+          </p:cNvPr>
+          <p:cNvSpPr>
+            <a:spLocks noGrp="1"/>
+          </p:cNvSpPr>
+          <p:nvPr>
+            <p:ph type="subTitle" idx="1"/>
+          </p:nvPr>
+        </p:nvSpPr>
+        <p:spPr/>
+        <p:txBody>
+          <a:bodyPr/>
+          <a:lstStyle/>
+          <a:p>
+            <a:endParaRPr lang="en-US"/>
+          </a:p>
+        </p:txBody>
+      </p:sp>
+    </p:spTree>
+    <p:extLst>
+      <p:ext uri="{BB962C8B-B14F-4D97-AF65-F5344CB8AC3E}">
+        <p14:creationId xmlns:p14="http://schemas.microsoft.com/office/powerpoint/2010/main" val="187764811"/>
+      </p:ext>
+    </p:extLst>
+  </p:cSld>
+  <p:clrMapOvr>
+    <a:masterClrMapping/>
+  </p:clrMapOvr>
+</p:sld>
+</file>
+
+<file path=ppt/slides/slide13.xml><?xml version="1.0" encoding="utf-8"?>
+<p:sld xmlns:a="http://schemas.openxmlformats.org/drawingml/2006/main" xmlns:r="http://schemas.openxmlformats.org/officeDocument/2006/relationships" xmlns:p="http://schemas.openxmlformats.org/presentationml/2006/main">
+  <p:cSld>
+    <p:spTree>
+      <p:nvGrpSpPr>
+        <p:cNvPr id="1" name=""/>
+        <p:cNvGrpSpPr/>
+        <p:nvPr/>
+      </p:nvGrpSpPr>
+      <p:grpSpPr>
+        <a:xfrm>
+          <a:off x="0" y="0"/>
+          <a:ext cx="0" cy="0"/>
+          <a:chOff x="0" y="0"/>
+          <a:chExt cx="0" cy="0"/>
+        </a:xfrm>
+      </p:grpSpPr>
+      <p:sp>
+        <p:nvSpPr>
+          <p:cNvPr id="2" name="Title 1">
+            <a:extLst>
+              <a:ext uri="{FF2B5EF4-FFF2-40B4-BE49-F238E27FC236}">
+                <a16:creationId xmlns:a16="http://schemas.microsoft.com/office/drawing/2014/main" id="{92C0606B-96C5-4746-8396-4B952F850F88}"/>
+              </a:ext>
+            </a:extLst>
+          </p:cNvPr>
+          <p:cNvSpPr>
+            <a:spLocks noGrp="1"/>
+          </p:cNvSpPr>
+          <p:nvPr>
+            <p:ph type="ctrTitle"/>
+          </p:nvPr>
+        </p:nvSpPr>
+        <p:spPr/>
+        <p:txBody>
+          <a:bodyPr/>
+          <a:lstStyle/>
+          <a:p>
+            <a:r>
+              <a:rPr lang="en-US" dirty="0"/>
+              <a:t>13</a:t>
+            </a:r>
+          </a:p>
+        </p:txBody>
+      </p:sp>
+      <p:sp>
+        <p:nvSpPr>
+          <p:cNvPr id="3" name="Subtitle 2">
+            <a:extLst>
+              <a:ext uri="{FF2B5EF4-FFF2-40B4-BE49-F238E27FC236}">
+                <a16:creationId xmlns:a16="http://schemas.microsoft.com/office/drawing/2014/main" id="{70E6DB21-7C89-479C-B667-6BF93C1A5046}"/>
+              </a:ext>
+            </a:extLst>
+          </p:cNvPr>
+          <p:cNvSpPr>
+            <a:spLocks noGrp="1"/>
+          </p:cNvSpPr>
+          <p:nvPr>
+            <p:ph type="subTitle" idx="1"/>
+          </p:nvPr>
+        </p:nvSpPr>
+        <p:spPr/>
+        <p:txBody>
+          <a:bodyPr/>
+          <a:lstStyle/>
+          <a:p>
+            <a:endParaRPr lang="en-US"/>
+          </a:p>
+        </p:txBody>
+      </p:sp>
+    </p:spTree>
+    <p:extLst>
+      <p:ext uri="{BB962C8B-B14F-4D97-AF65-F5344CB8AC3E}">
+        <p14:creationId xmlns:p14="http://schemas.microsoft.com/office/powerpoint/2010/main" val="323317121"/>
+      </p:ext>
+    </p:extLst>
+  </p:cSld>
+  <p:clrMapOvr>
+    <a:masterClrMapping/>
+  </p:clrMapOvr>
+</p:sld>
+</file>
+
+<file path=ppt/slides/slide14.xml><?xml version="1.0" encoding="utf-8"?>
+<p:sld xmlns:a="http://schemas.openxmlformats.org/drawingml/2006/main" xmlns:r="http://schemas.openxmlformats.org/officeDocument/2006/relationships" xmlns:p="http://schemas.openxmlformats.org/presentationml/2006/main">
+  <p:cSld>
+    <p:spTree>
+      <p:nvGrpSpPr>
+        <p:cNvPr id="1" name=""/>
+        <p:cNvGrpSpPr/>
+        <p:nvPr/>
+      </p:nvGrpSpPr>
+      <p:grpSpPr>
+        <a:xfrm>
+          <a:off x="0" y="0"/>
+          <a:ext cx="0" cy="0"/>
+          <a:chOff x="0" y="0"/>
+          <a:chExt cx="0" cy="0"/>
+        </a:xfrm>
+      </p:grpSpPr>
+      <p:sp>
+        <p:nvSpPr>
+          <p:cNvPr id="2" name="Title 1">
+            <a:extLst>
+              <a:ext uri="{FF2B5EF4-FFF2-40B4-BE49-F238E27FC236}">
+                <a16:creationId xmlns:a16="http://schemas.microsoft.com/office/drawing/2014/main" id="{92C0606B-96C5-4746-8396-4B952F850F88}"/>
+              </a:ext>
+            </a:extLst>
+          </p:cNvPr>
+          <p:cNvSpPr>
+            <a:spLocks noGrp="1"/>
+          </p:cNvSpPr>
+          <p:nvPr>
+            <p:ph type="ctrTitle"/>
+          </p:nvPr>
+        </p:nvSpPr>
+        <p:spPr/>
+        <p:txBody>
+          <a:bodyPr/>
+          <a:lstStyle/>
+          <a:p>
+            <a:r>
+              <a:rPr lang="en-US"/>
+              <a:t>14</a:t>
+            </a:r>
+            <a:endParaRPr lang="en-US" dirty="0"/>
+          </a:p>
+        </p:txBody>
+      </p:sp>
+      <p:sp>
+        <p:nvSpPr>
+          <p:cNvPr id="3" name="Subtitle 2">
+            <a:extLst>
+              <a:ext uri="{FF2B5EF4-FFF2-40B4-BE49-F238E27FC236}">
+                <a16:creationId xmlns:a16="http://schemas.microsoft.com/office/drawing/2014/main" id="{70E6DB21-7C89-479C-B667-6BF93C1A5046}"/>
+              </a:ext>
+            </a:extLst>
+          </p:cNvPr>
+          <p:cNvSpPr>
+            <a:spLocks noGrp="1"/>
+          </p:cNvSpPr>
+          <p:nvPr>
+            <p:ph type="subTitle" idx="1"/>
+          </p:nvPr>
+        </p:nvSpPr>
+        <p:spPr/>
+        <p:txBody>
+          <a:bodyPr/>
+          <a:lstStyle/>
+          <a:p>
+            <a:endParaRPr lang="en-US"/>
+          </a:p>
+        </p:txBody>
+      </p:sp>
+    </p:spTree>
+    <p:extLst>
+      <p:ext uri="{BB962C8B-B14F-4D97-AF65-F5344CB8AC3E}">
+        <p14:creationId xmlns:p14="http://schemas.microsoft.com/office/powerpoint/2010/main" val="2291025543"/>
       </p:ext>
     </p:extLst>
   </p:cSld>
@@ -9086,30 +9423,6 @@
 </file>
 
 <file path=customXml/item1.xml><?xml version="1.0" encoding="utf-8"?>
-<p:properties xmlns:p="http://schemas.microsoft.com/office/2006/metadata/properties" xmlns:xsi="http://www.w3.org/2001/XMLSchema-instance" xmlns:pc="http://schemas.microsoft.com/office/infopath/2007/PartnerControls">
-  <documentManagement>
-    <MediaLengthInSeconds xmlns="0ef15662-6fed-4fef-9f72-f92e6a58ee9a" xsi:nil="true"/>
-    <SharedWithUsers xmlns="ea8991a8-ccc9-47fa-b62d-bbda02ac6f5e">
-      <UserInfo>
-        <DisplayName/>
-        <AccountId xsi:nil="true"/>
-        <AccountType/>
-      </UserInfo>
-    </SharedWithUsers>
-  </documentManagement>
-</p:properties>
-</file>
-
-<file path=customXml/item2.xml><?xml version="1.0" encoding="utf-8"?>
-<?mso-contentType ?>
-<FormTemplates xmlns="http://schemas.microsoft.com/sharepoint/v3/contenttype/forms">
-  <Display>DocumentLibraryForm</Display>
-  <Edit>DocumentLibraryForm</Edit>
-  <New>DocumentLibraryForm</New>
-</FormTemplates>
-</file>
-
-<file path=customXml/item3.xml><?xml version="1.0" encoding="utf-8"?>
 <ct:contentTypeSchema xmlns:ct="http://schemas.microsoft.com/office/2006/metadata/contentType" xmlns:ma="http://schemas.microsoft.com/office/2006/metadata/properties/metaAttributes" ct:_="" ma:_="" ma:contentTypeName="Document" ma:contentTypeID="0x0101005AD2819548407B469ACEF45B2A0126F2" ma:contentTypeVersion="13" ma:contentTypeDescription="Create a new document." ma:contentTypeScope="" ma:versionID="317f7433ca5ea2fd97af209565cfbfd0">
   <xsd:schema xmlns:xsd="http://www.w3.org/2001/XMLSchema" xmlns:xs="http://www.w3.org/2001/XMLSchema" xmlns:p="http://schemas.microsoft.com/office/2006/metadata/properties" xmlns:ns2="0ef15662-6fed-4fef-9f72-f92e6a58ee9a" xmlns:ns3="ea8991a8-ccc9-47fa-b62d-bbda02ac6f5e" targetNamespace="http://schemas.microsoft.com/office/2006/metadata/properties" ma:root="true" ma:fieldsID="c5a5037cd0da7d5c5c82499a8edcc634" ns2:_="" ns3:_="">
     <xsd:import namespace="0ef15662-6fed-4fef-9f72-f92e6a58ee9a"/>
@@ -9332,32 +9645,31 @@
 </ct:contentTypeSchema>
 </file>
 
-<file path=customXml/itemProps1.xml><?xml version="1.0" encoding="utf-8"?>
-<ds:datastoreItem xmlns:ds="http://schemas.openxmlformats.org/officeDocument/2006/customXml" ds:itemID="{AB09DDD4-BC0D-4DAC-8D79-C38F0EF942E3}">
-  <ds:schemaRefs>
-    <ds:schemaRef ds:uri="http://www.w3.org/XML/1998/namespace"/>
-    <ds:schemaRef ds:uri="http://schemas.openxmlformats.org/package/2006/metadata/core-properties"/>
-    <ds:schemaRef ds:uri="ea8991a8-ccc9-47fa-b62d-bbda02ac6f5e"/>
-    <ds:schemaRef ds:uri="http://purl.org/dc/terms/"/>
-    <ds:schemaRef ds:uri="http://purl.org/dc/dcmitype/"/>
-    <ds:schemaRef ds:uri="http://schemas.microsoft.com/office/2006/documentManagement/types"/>
-    <ds:schemaRef ds:uri="http://schemas.microsoft.com/office/2006/metadata/properties"/>
-    <ds:schemaRef ds:uri="http://schemas.microsoft.com/office/infopath/2007/PartnerControls"/>
-    <ds:schemaRef ds:uri="0ef15662-6fed-4fef-9f72-f92e6a58ee9a"/>
-    <ds:schemaRef ds:uri="http://purl.org/dc/elements/1.1/"/>
-  </ds:schemaRefs>
-</ds:datastoreItem>
+<file path=customXml/item2.xml><?xml version="1.0" encoding="utf-8"?>
+<?mso-contentType ?>
+<FormTemplates xmlns="http://schemas.microsoft.com/sharepoint/v3/contenttype/forms">
+  <Display>DocumentLibraryForm</Display>
+  <Edit>DocumentLibraryForm</Edit>
+  <New>DocumentLibraryForm</New>
+</FormTemplates>
 </file>
 
-<file path=customXml/itemProps2.xml><?xml version="1.0" encoding="utf-8"?>
-<ds:datastoreItem xmlns:ds="http://schemas.openxmlformats.org/officeDocument/2006/customXml" ds:itemID="{E33960F2-4100-40A1-91AF-E4347CA816D8}">
-  <ds:schemaRefs>
-    <ds:schemaRef ds:uri="http://schemas.microsoft.com/sharepoint/v3/contenttype/forms"/>
-  </ds:schemaRefs>
-</ds:datastoreItem>
+<file path=customXml/item3.xml><?xml version="1.0" encoding="utf-8"?>
+<p:properties xmlns:p="http://schemas.microsoft.com/office/2006/metadata/properties" xmlns:xsi="http://www.w3.org/2001/XMLSchema-instance" xmlns:pc="http://schemas.microsoft.com/office/infopath/2007/PartnerControls">
+  <documentManagement>
+    <MediaLengthInSeconds xmlns="0ef15662-6fed-4fef-9f72-f92e6a58ee9a" xsi:nil="true"/>
+    <SharedWithUsers xmlns="ea8991a8-ccc9-47fa-b62d-bbda02ac6f5e">
+      <UserInfo>
+        <DisplayName/>
+        <AccountId xsi:nil="true"/>
+        <AccountType/>
+      </UserInfo>
+    </SharedWithUsers>
+  </documentManagement>
+</p:properties>
 </file>
 
-<file path=customXml/itemProps3.xml><?xml version="1.0" encoding="utf-8"?>
+<file path=customXml/itemProps1.xml><?xml version="1.0" encoding="utf-8"?>
 <ds:datastoreItem xmlns:ds="http://schemas.openxmlformats.org/officeDocument/2006/customXml" ds:itemID="{C02FD81E-0781-486D-BBB4-21920463AEDD}">
   <ds:schemaRefs>
     <ds:schemaRef ds:uri="0ef15662-6fed-4fef-9f72-f92e6a58ee9a"/>
@@ -9374,4 +9686,29 @@
     <ds:schemaRef ds:uri="http://www.w3.org/2001/XMLSchema"/>
   </ds:schemaRefs>
 </ds:datastoreItem>
+</file>
+
+<file path=customXml/itemProps2.xml><?xml version="1.0" encoding="utf-8"?>
+<ds:datastoreItem xmlns:ds="http://schemas.openxmlformats.org/officeDocument/2006/customXml" ds:itemID="{E33960F2-4100-40A1-91AF-E4347CA816D8}">
+  <ds:schemaRefs>
+    <ds:schemaRef ds:uri="http://schemas.microsoft.com/sharepoint/v3/contenttype/forms"/>
+  </ds:schemaRefs>
+</ds:datastoreItem>
+</file>
+
+<file path=customXml/itemProps3.xml><?xml version="1.0" encoding="utf-8"?>
+<ds:datastoreItem xmlns:ds="http://schemas.openxmlformats.org/officeDocument/2006/customXml" ds:itemID="{AB09DDD4-BC0D-4DAC-8D79-C38F0EF942E3}">
+  <ds:schemaRefs>
+    <ds:schemaRef ds:uri="http://www.w3.org/XML/1998/namespace"/>
+    <ds:schemaRef ds:uri="http://schemas.openxmlformats.org/package/2006/metadata/core-properties"/>
+    <ds:schemaRef ds:uri="ea8991a8-ccc9-47fa-b62d-bbda02ac6f5e"/>
+    <ds:schemaRef ds:uri="http://purl.org/dc/terms/"/>
+    <ds:schemaRef ds:uri="http://purl.org/dc/dcmitype/"/>
+    <ds:schemaRef ds:uri="http://schemas.microsoft.com/office/2006/documentManagement/types"/>
+    <ds:schemaRef ds:uri="http://schemas.microsoft.com/office/2006/metadata/properties"/>
+    <ds:schemaRef ds:uri="http://schemas.microsoft.com/office/infopath/2007/PartnerControls"/>
+    <ds:schemaRef ds:uri="0ef15662-6fed-4fef-9f72-f92e6a58ee9a"/>
+    <ds:schemaRef ds:uri="http://purl.org/dc/elements/1.1/"/>
+  </ds:schemaRefs>
+</ds:datastoreItem>
 </file>